--- a/FINAL/Final Draft 5.pptx
+++ b/FINAL/Final Draft 5.pptx
@@ -126,6 +126,35 @@
 </p:presentation>
 </file>
 
+<file path=ppt/revisionInfo.xml><?xml version="1.0" encoding="utf-8"?>
+<p1510:revInfo xmlns:a="http://schemas.openxmlformats.org/drawingml/2006/main" xmlns:r="http://schemas.openxmlformats.org/officeDocument/2006/relationships" xmlns:p1510="http://schemas.microsoft.com/office/powerpoint/2015/10/main">
+  <p1510:revLst>
+    <p1510:client id="{30E09E32-AEFB-4C17-8E5C-427CFDE4C792}" v="1" dt="2019-02-21T12:56:11.642"/>
+  </p1510:revLst>
+</p1510:revInfo>
+</file>
+
+<file path=ppt/changesInfos/changesInfo1.xml><?xml version="1.0" encoding="utf-8"?>
+<pc:chgInfo xmlns:a="http://schemas.openxmlformats.org/drawingml/2006/main" xmlns:r="http://schemas.openxmlformats.org/officeDocument/2006/relationships" xmlns:ac="http://schemas.microsoft.com/office/drawing/2013/main/command" xmlns:pc="http://schemas.microsoft.com/office/powerpoint/2013/main/command">
+  <pc:docChgLst>
+    <pc:chgData name="Euan Ferguson" userId="d3d78bc380f84dea" providerId="LiveId" clId="{30E09E32-AEFB-4C17-8E5C-427CFDE4C792}"/>
+    <pc:docChg chg="modSld sldOrd">
+      <pc:chgData name="Euan Ferguson" userId="d3d78bc380f84dea" providerId="LiveId" clId="{30E09E32-AEFB-4C17-8E5C-427CFDE4C792}" dt="2019-02-21T12:56:11.629" v="0"/>
+      <pc:docMkLst>
+        <pc:docMk/>
+      </pc:docMkLst>
+      <pc:sldChg chg="ord">
+        <pc:chgData name="Euan Ferguson" userId="d3d78bc380f84dea" providerId="LiveId" clId="{30E09E32-AEFB-4C17-8E5C-427CFDE4C792}" dt="2019-02-21T12:56:11.629" v="0"/>
+        <pc:sldMkLst>
+          <pc:docMk/>
+          <pc:sldMk cId="1253452632" sldId="263"/>
+        </pc:sldMkLst>
+      </pc:sldChg>
+    </pc:docChg>
+  </pc:docChgLst>
+</pc:chgInfo>
+</file>
+
 <file path=ppt/slideLayouts/slideLayout1.xml><?xml version="1.0" encoding="utf-8"?>
 <p:sldLayout xmlns:a="http://schemas.openxmlformats.org/drawingml/2006/main" xmlns:r="http://schemas.openxmlformats.org/officeDocument/2006/relationships" xmlns:p="http://schemas.openxmlformats.org/presentationml/2006/main" type="title" preserve="1">
   <p:cSld name="Title Slide">
@@ -275,7 +304,7 @@
           <a:p>
             <a:fld id="{8B1F6BEF-6D8B-4DEB-9E20-05E468EF1E47}" type="datetimeFigureOut">
               <a:rPr lang="en-GB" smtClean="0"/>
-              <a:t>17/02/2019</a:t>
+              <a:t>21/02/2019</a:t>
             </a:fld>
             <a:endParaRPr lang="en-GB" dirty="0"/>
           </a:p>
@@ -475,7 +504,7 @@
           <a:p>
             <a:fld id="{8B1F6BEF-6D8B-4DEB-9E20-05E468EF1E47}" type="datetimeFigureOut">
               <a:rPr lang="en-GB" smtClean="0"/>
-              <a:t>17/02/2019</a:t>
+              <a:t>21/02/2019</a:t>
             </a:fld>
             <a:endParaRPr lang="en-GB" dirty="0"/>
           </a:p>
@@ -685,7 +714,7 @@
           <a:p>
             <a:fld id="{8B1F6BEF-6D8B-4DEB-9E20-05E468EF1E47}" type="datetimeFigureOut">
               <a:rPr lang="en-GB" smtClean="0"/>
-              <a:t>17/02/2019</a:t>
+              <a:t>21/02/2019</a:t>
             </a:fld>
             <a:endParaRPr lang="en-GB" dirty="0"/>
           </a:p>
@@ -885,7 +914,7 @@
           <a:p>
             <a:fld id="{8B1F6BEF-6D8B-4DEB-9E20-05E468EF1E47}" type="datetimeFigureOut">
               <a:rPr lang="en-GB" smtClean="0"/>
-              <a:t>17/02/2019</a:t>
+              <a:t>21/02/2019</a:t>
             </a:fld>
             <a:endParaRPr lang="en-GB" dirty="0"/>
           </a:p>
@@ -1161,7 +1190,7 @@
           <a:p>
             <a:fld id="{8B1F6BEF-6D8B-4DEB-9E20-05E468EF1E47}" type="datetimeFigureOut">
               <a:rPr lang="en-GB" smtClean="0"/>
-              <a:t>17/02/2019</a:t>
+              <a:t>21/02/2019</a:t>
             </a:fld>
             <a:endParaRPr lang="en-GB" dirty="0"/>
           </a:p>
@@ -1429,7 +1458,7 @@
           <a:p>
             <a:fld id="{8B1F6BEF-6D8B-4DEB-9E20-05E468EF1E47}" type="datetimeFigureOut">
               <a:rPr lang="en-GB" smtClean="0"/>
-              <a:t>17/02/2019</a:t>
+              <a:t>21/02/2019</a:t>
             </a:fld>
             <a:endParaRPr lang="en-GB" dirty="0"/>
           </a:p>
@@ -1844,7 +1873,7 @@
           <a:p>
             <a:fld id="{8B1F6BEF-6D8B-4DEB-9E20-05E468EF1E47}" type="datetimeFigureOut">
               <a:rPr lang="en-GB" smtClean="0"/>
-              <a:t>17/02/2019</a:t>
+              <a:t>21/02/2019</a:t>
             </a:fld>
             <a:endParaRPr lang="en-GB" dirty="0"/>
           </a:p>
@@ -1986,7 +2015,7 @@
           <a:p>
             <a:fld id="{8B1F6BEF-6D8B-4DEB-9E20-05E468EF1E47}" type="datetimeFigureOut">
               <a:rPr lang="en-GB" smtClean="0"/>
-              <a:t>17/02/2019</a:t>
+              <a:t>21/02/2019</a:t>
             </a:fld>
             <a:endParaRPr lang="en-GB" dirty="0"/>
           </a:p>
@@ -2099,7 +2128,7 @@
           <a:p>
             <a:fld id="{8B1F6BEF-6D8B-4DEB-9E20-05E468EF1E47}" type="datetimeFigureOut">
               <a:rPr lang="en-GB" smtClean="0"/>
-              <a:t>17/02/2019</a:t>
+              <a:t>21/02/2019</a:t>
             </a:fld>
             <a:endParaRPr lang="en-GB" dirty="0"/>
           </a:p>
@@ -2412,7 +2441,7 @@
           <a:p>
             <a:fld id="{8B1F6BEF-6D8B-4DEB-9E20-05E468EF1E47}" type="datetimeFigureOut">
               <a:rPr lang="en-GB" smtClean="0"/>
-              <a:t>17/02/2019</a:t>
+              <a:t>21/02/2019</a:t>
             </a:fld>
             <a:endParaRPr lang="en-GB" dirty="0"/>
           </a:p>
@@ -2705,7 +2734,7 @@
           <a:p>
             <a:fld id="{8B1F6BEF-6D8B-4DEB-9E20-05E468EF1E47}" type="datetimeFigureOut">
               <a:rPr lang="en-GB" smtClean="0"/>
-              <a:t>17/02/2019</a:t>
+              <a:t>21/02/2019</a:t>
             </a:fld>
             <a:endParaRPr lang="en-GB" dirty="0"/>
           </a:p>
@@ -2948,7 +2977,7 @@
           <a:p>
             <a:fld id="{8B1F6BEF-6D8B-4DEB-9E20-05E468EF1E47}" type="datetimeFigureOut">
               <a:rPr lang="en-GB" smtClean="0"/>
-              <a:t>17/02/2019</a:t>
+              <a:t>21/02/2019</a:t>
             </a:fld>
             <a:endParaRPr lang="en-GB" dirty="0"/>
           </a:p>
@@ -3590,7 +3619,7 @@
       </p:sp>
       <p:pic>
         <p:nvPicPr>
-          <p:cNvPr id="5" name="Picture 4" descr="A screenshot of a cell phone&#13;&#10;&#13;&#10;Description automatically generated">
+          <p:cNvPr id="5" name="Picture 4" descr="A screenshot of a cell phone&#10;&#10;Description automatically generated">
             <a:extLst>
               <a:ext uri="{FF2B5EF4-FFF2-40B4-BE49-F238E27FC236}">
                 <a16:creationId xmlns:a16="http://schemas.microsoft.com/office/drawing/2014/main" id="{9A70EEBD-5578-784E-A613-CCE76E3FCDCF}"/>
@@ -3739,7 +3768,7 @@
       </p:sp>
       <p:pic>
         <p:nvPicPr>
-          <p:cNvPr id="4" name="Picture 3" descr="A screenshot of a cell phone&#13;&#10;&#13;&#10;Description automatically generated">
+          <p:cNvPr id="4" name="Picture 3" descr="A screenshot of a cell phone&#10;&#10;Description automatically generated">
             <a:extLst>
               <a:ext uri="{FF2B5EF4-FFF2-40B4-BE49-F238E27FC236}">
                 <a16:creationId xmlns:a16="http://schemas.microsoft.com/office/drawing/2014/main" id="{82A30BDD-9803-0843-A31C-26C8D764252A}"/>
@@ -8486,7 +8515,7 @@
       </p:sp>
       <p:pic>
         <p:nvPicPr>
-          <p:cNvPr id="3" name="Picture 2" descr="A screenshot of a cell phone&#13;&#10;&#13;&#10;Description automatically generated">
+          <p:cNvPr id="3" name="Picture 2" descr="A screenshot of a cell phone&#10;&#10;Description automatically generated">
             <a:extLst>
               <a:ext uri="{FF2B5EF4-FFF2-40B4-BE49-F238E27FC236}">
                 <a16:creationId xmlns:a16="http://schemas.microsoft.com/office/drawing/2014/main" id="{A98DF243-C162-F14A-B84B-5638B63EB691}"/>
@@ -8635,7 +8664,7 @@
       </p:sp>
       <p:pic>
         <p:nvPicPr>
-          <p:cNvPr id="5" name="Picture 4" descr="A screenshot of a cell phone&#13;&#10;&#13;&#10;Description automatically generated">
+          <p:cNvPr id="5" name="Picture 4" descr="A screenshot of a cell phone&#10;&#10;Description automatically generated">
             <a:extLst>
               <a:ext uri="{FF2B5EF4-FFF2-40B4-BE49-F238E27FC236}">
                 <a16:creationId xmlns:a16="http://schemas.microsoft.com/office/drawing/2014/main" id="{D597E1AA-8350-0F4D-8D9D-94AD90B29A5C}"/>
@@ -8784,7 +8813,7 @@
       </p:sp>
       <p:pic>
         <p:nvPicPr>
-          <p:cNvPr id="3" name="Picture 2" descr="A screenshot of a cell phone&#13;&#10;&#13;&#10;Description automatically generated">
+          <p:cNvPr id="3" name="Picture 2" descr="A screenshot of a cell phone&#10;&#10;Description automatically generated">
             <a:extLst>
               <a:ext uri="{FF2B5EF4-FFF2-40B4-BE49-F238E27FC236}">
                 <a16:creationId xmlns:a16="http://schemas.microsoft.com/office/drawing/2014/main" id="{A4BC033C-0581-014B-85C2-BED5FBF50646}"/>
